--- a/感謝天父(崇拜版).pptx
+++ b/感謝天父(崇拜版).pptx
@@ -5,7 +5,9 @@
     <p:sldMasterId id="2147483660" r:id="rId1"/>
   </p:sldMasterIdLst>
   <p:sldIdLst>
-    <p:sldId id="257" r:id="rId2"/>
+    <p:sldId id="258" r:id="rId2"/>
+    <p:sldId id="259" r:id="rId3"/>
+    <p:sldId id="260" r:id="rId4"/>
   </p:sldIdLst>
   <p:sldSz cx="12192000" cy="6858000"/>
   <p:notesSz cx="6858000" cy="9144000"/>
@@ -104,6 +106,11 @@
       </a:defRPr>
     </a:lvl9pPr>
   </p:defaultTextStyle>
+  <p:extLst>
+    <p:ext uri="{EFAFB233-063F-42B5-8137-9DF3F51BA10A}">
+      <p15:sldGuideLst xmlns:p15="http://schemas.microsoft.com/office/powerpoint/2012/main"/>
+    </p:ext>
+  </p:extLst>
 </p:presentation>
 </file>
 
@@ -288,7 +295,7 @@
           <a:p>
             <a:fld id="{9EF22A82-641B-4CAF-ADDE-F76E42FE23D1}" type="datetimeFigureOut">
               <a:rPr lang="vi-VN" smtClean="0"/>
-              <a:t>16/05/2020</a:t>
+              <a:t>26/11/2021</a:t>
             </a:fld>
             <a:endParaRPr lang="vi-VN"/>
           </a:p>
@@ -458,7 +465,7 @@
           <a:p>
             <a:fld id="{9EF22A82-641B-4CAF-ADDE-F76E42FE23D1}" type="datetimeFigureOut">
               <a:rPr lang="vi-VN" smtClean="0"/>
-              <a:t>16/05/2020</a:t>
+              <a:t>26/11/2021</a:t>
             </a:fld>
             <a:endParaRPr lang="vi-VN"/>
           </a:p>
@@ -638,7 +645,7 @@
           <a:p>
             <a:fld id="{9EF22A82-641B-4CAF-ADDE-F76E42FE23D1}" type="datetimeFigureOut">
               <a:rPr lang="vi-VN" smtClean="0"/>
-              <a:t>16/05/2020</a:t>
+              <a:t>26/11/2021</a:t>
             </a:fld>
             <a:endParaRPr lang="vi-VN"/>
           </a:p>
@@ -808,7 +815,7 @@
           <a:p>
             <a:fld id="{9EF22A82-641B-4CAF-ADDE-F76E42FE23D1}" type="datetimeFigureOut">
               <a:rPr lang="vi-VN" smtClean="0"/>
-              <a:t>16/05/2020</a:t>
+              <a:t>26/11/2021</a:t>
             </a:fld>
             <a:endParaRPr lang="vi-VN"/>
           </a:p>
@@ -1054,7 +1061,7 @@
           <a:p>
             <a:fld id="{9EF22A82-641B-4CAF-ADDE-F76E42FE23D1}" type="datetimeFigureOut">
               <a:rPr lang="vi-VN" smtClean="0"/>
-              <a:t>16/05/2020</a:t>
+              <a:t>26/11/2021</a:t>
             </a:fld>
             <a:endParaRPr lang="vi-VN"/>
           </a:p>
@@ -1342,7 +1349,7 @@
           <a:p>
             <a:fld id="{9EF22A82-641B-4CAF-ADDE-F76E42FE23D1}" type="datetimeFigureOut">
               <a:rPr lang="vi-VN" smtClean="0"/>
-              <a:t>16/05/2020</a:t>
+              <a:t>26/11/2021</a:t>
             </a:fld>
             <a:endParaRPr lang="vi-VN"/>
           </a:p>
@@ -1764,7 +1771,7 @@
           <a:p>
             <a:fld id="{9EF22A82-641B-4CAF-ADDE-F76E42FE23D1}" type="datetimeFigureOut">
               <a:rPr lang="vi-VN" smtClean="0"/>
-              <a:t>16/05/2020</a:t>
+              <a:t>26/11/2021</a:t>
             </a:fld>
             <a:endParaRPr lang="vi-VN"/>
           </a:p>
@@ -1882,7 +1889,7 @@
           <a:p>
             <a:fld id="{9EF22A82-641B-4CAF-ADDE-F76E42FE23D1}" type="datetimeFigureOut">
               <a:rPr lang="vi-VN" smtClean="0"/>
-              <a:t>16/05/2020</a:t>
+              <a:t>26/11/2021</a:t>
             </a:fld>
             <a:endParaRPr lang="vi-VN"/>
           </a:p>
@@ -1977,7 +1984,7 @@
           <a:p>
             <a:fld id="{9EF22A82-641B-4CAF-ADDE-F76E42FE23D1}" type="datetimeFigureOut">
               <a:rPr lang="vi-VN" smtClean="0"/>
-              <a:t>16/05/2020</a:t>
+              <a:t>26/11/2021</a:t>
             </a:fld>
             <a:endParaRPr lang="vi-VN"/>
           </a:p>
@@ -2254,7 +2261,7 @@
           <a:p>
             <a:fld id="{9EF22A82-641B-4CAF-ADDE-F76E42FE23D1}" type="datetimeFigureOut">
               <a:rPr lang="vi-VN" smtClean="0"/>
-              <a:t>16/05/2020</a:t>
+              <a:t>26/11/2021</a:t>
             </a:fld>
             <a:endParaRPr lang="vi-VN"/>
           </a:p>
@@ -2511,7 +2518,7 @@
           <a:p>
             <a:fld id="{9EF22A82-641B-4CAF-ADDE-F76E42FE23D1}" type="datetimeFigureOut">
               <a:rPr lang="vi-VN" smtClean="0"/>
-              <a:t>16/05/2020</a:t>
+              <a:t>26/11/2021</a:t>
             </a:fld>
             <a:endParaRPr lang="vi-VN"/>
           </a:p>
@@ -2729,7 +2736,7 @@
           <a:p>
             <a:fld id="{9EF22A82-641B-4CAF-ADDE-F76E42FE23D1}" type="datetimeFigureOut">
               <a:rPr lang="vi-VN" smtClean="0"/>
-              <a:t>16/05/2020</a:t>
+              <a:t>26/11/2021</a:t>
             </a:fld>
             <a:endParaRPr lang="vi-VN"/>
           </a:p>
@@ -3106,7 +3113,7 @@
       </p:grpSpPr>
       <p:sp>
         <p:nvSpPr>
-          <p:cNvPr id="2" name="Title 1"/>
+          <p:cNvPr id="4" name="標題 3"/>
           <p:cNvSpPr>
             <a:spLocks noGrp="1"/>
           </p:cNvSpPr>
@@ -3114,272 +3121,507 @@
             <p:ph type="title"/>
           </p:nvPr>
         </p:nvSpPr>
-        <p:spPr/>
+        <p:spPr>
+          <a:xfrm>
+            <a:off x="0" y="2660915"/>
+            <a:ext cx="12192000" cy="1143000"/>
+          </a:xfrm>
+        </p:spPr>
         <p:txBody>
           <a:bodyPr>
+            <a:noAutofit/>
+          </a:bodyPr>
+          <a:lstStyle/>
+          <a:p>
+            <a:r>
+              <a:rPr lang="zh-CN" altLang="en-US" sz="7200" b="1" i="1" dirty="0">
+                <a:solidFill>
+                  <a:srgbClr val="660033"/>
+                </a:solidFill>
+                <a:effectLst>
+                  <a:outerShdw blurRad="38100" dist="38100" dir="2700000" algn="tl">
+                    <a:srgbClr val="000000">
+                      <a:alpha val="43137"/>
+                    </a:srgbClr>
+                  </a:outerShdw>
+                </a:effectLst>
+                <a:latin typeface="微軟正黑體" pitchFamily="34" charset="-120"/>
+                <a:ea typeface="微軟正黑體" pitchFamily="34" charset="-120"/>
+              </a:rPr>
+              <a:t>感</a:t>
+            </a:r>
+            <a:r>
+              <a:rPr lang="zh-CN" altLang="en-US" sz="7200" b="1" i="1" dirty="0">
+                <a:solidFill>
+                  <a:srgbClr val="660033"/>
+                </a:solidFill>
+                <a:effectLst>
+                  <a:outerShdw blurRad="38100" dist="38100" dir="2700000" algn="tl">
+                    <a:srgbClr val="000000">
+                      <a:alpha val="43137"/>
+                    </a:srgbClr>
+                  </a:outerShdw>
+                </a:effectLst>
+                <a:latin typeface="微軟正黑體" pitchFamily="34" charset="-120"/>
+                <a:ea typeface="微軟正黑體" pitchFamily="34" charset="-120"/>
+              </a:rPr>
+              <a:t>謝天父</a:t>
+            </a:r>
+          </a:p>
+        </p:txBody>
+      </p:sp>
+    </p:spTree>
+    <p:extLst>
+      <p:ext uri="{BB962C8B-B14F-4D97-AF65-F5344CB8AC3E}">
+        <p14:creationId xmlns:p14="http://schemas.microsoft.com/office/powerpoint/2010/main" val="808876135"/>
+      </p:ext>
+    </p:extLst>
+  </p:cSld>
+  <p:clrMapOvr>
+    <a:masterClrMapping/>
+  </p:clrMapOvr>
+</p:sld>
+</file>
+
+<file path=ppt/slides/slide2.xml><?xml version="1.0" encoding="utf-8"?>
+<p:sld xmlns:a="http://schemas.openxmlformats.org/drawingml/2006/main" xmlns:r="http://schemas.openxmlformats.org/officeDocument/2006/relationships" xmlns:p="http://schemas.openxmlformats.org/presentationml/2006/main">
+  <p:cSld>
+    <p:spTree>
+      <p:nvGrpSpPr>
+        <p:cNvPr id="1" name=""/>
+        <p:cNvGrpSpPr/>
+        <p:nvPr/>
+      </p:nvGrpSpPr>
+      <p:grpSpPr>
+        <a:xfrm>
+          <a:off x="0" y="0"/>
+          <a:ext cx="0" cy="0"/>
+          <a:chOff x="0" y="0"/>
+          <a:chExt cx="0" cy="0"/>
+        </a:xfrm>
+      </p:grpSpPr>
+      <p:sp>
+        <p:nvSpPr>
+          <p:cNvPr id="5" name="內容版面配置區 4"/>
+          <p:cNvSpPr>
+            <a:spLocks noGrp="1"/>
+          </p:cNvSpPr>
+          <p:nvPr>
+            <p:ph idx="1"/>
+          </p:nvPr>
+        </p:nvSpPr>
+        <p:spPr>
+          <a:xfrm>
+            <a:off x="0" y="2084851"/>
+            <a:ext cx="12192000" cy="2404863"/>
+          </a:xfrm>
+        </p:spPr>
+        <p:txBody>
+          <a:bodyPr anchor="ctr">
             <a:normAutofit/>
           </a:bodyPr>
           <a:lstStyle/>
           <a:p>
-            <a:r>
-              <a:rPr lang="zh-CN" altLang="en-US" sz="4800" b="1" dirty="0">
+            <a:pPr marL="0" indent="0" algn="ctr">
+              <a:buNone/>
+            </a:pPr>
+            <a:r>
+              <a:rPr lang="zh-TW" altLang="en-US" sz="6400" b="1" dirty="0">
+                <a:solidFill>
+                  <a:srgbClr val="660033"/>
+                </a:solidFill>
+                <a:latin typeface="微軟正黑體" pitchFamily="34" charset="-120"/>
+                <a:ea typeface="微軟正黑體" pitchFamily="34" charset="-120"/>
+              </a:rPr>
+              <a:t>感</a:t>
+            </a:r>
+            <a:r>
+              <a:rPr lang="zh-TW" altLang="en-US" sz="6400" b="1" dirty="0">
+                <a:solidFill>
+                  <a:srgbClr val="660033"/>
+                </a:solidFill>
+                <a:latin typeface="微軟正黑體" pitchFamily="34" charset="-120"/>
+                <a:ea typeface="微軟正黑體" pitchFamily="34" charset="-120"/>
+              </a:rPr>
+              <a:t>謝天父  </a:t>
+            </a:r>
+            <a:r>
+              <a:rPr lang="zh-TW" altLang="en-US" sz="6400" b="1" dirty="0">
+                <a:solidFill>
+                  <a:srgbClr val="660033"/>
+                </a:solidFill>
+                <a:latin typeface="微軟正黑體" pitchFamily="34" charset="-120"/>
+                <a:ea typeface="微軟正黑體" pitchFamily="34" charset="-120"/>
+              </a:rPr>
+              <a:t> </a:t>
+            </a:r>
+            <a:r>
+              <a:rPr lang="zh-CN" altLang="en-US" sz="6400" b="1" dirty="0">
+                <a:solidFill>
+                  <a:srgbClr val="660033"/>
+                </a:solidFill>
+                <a:latin typeface="微軟正黑體" pitchFamily="34" charset="-120"/>
+                <a:ea typeface="微軟正黑體" pitchFamily="34" charset="-120"/>
+              </a:rPr>
+              <a:t>袮</a:t>
+            </a:r>
+            <a:r>
+              <a:rPr lang="zh-TW" altLang="en-US" sz="6400" b="1" dirty="0">
+                <a:solidFill>
+                  <a:srgbClr val="660033"/>
+                </a:solidFill>
+                <a:latin typeface="微軟正黑體" pitchFamily="34" charset="-120"/>
+                <a:ea typeface="微軟正黑體" pitchFamily="34" charset="-120"/>
+              </a:rPr>
+              <a:t>愛充滿在這地</a:t>
+            </a:r>
+            <a:endParaRPr lang="en-US" altLang="zh-TW" sz="6400" b="1" dirty="0">
+              <a:solidFill>
+                <a:srgbClr val="660033"/>
+              </a:solidFill>
+              <a:latin typeface="微軟正黑體" pitchFamily="34" charset="-120"/>
+              <a:ea typeface="微軟正黑體" pitchFamily="34" charset="-120"/>
+            </a:endParaRPr>
+          </a:p>
+          <a:p>
+            <a:pPr marL="0" indent="0" algn="ctr">
+              <a:buNone/>
+            </a:pPr>
+            <a:r>
+              <a:rPr lang="zh-TW" altLang="en-US" sz="6400" b="1" dirty="0">
+                <a:solidFill>
+                  <a:srgbClr val="660033"/>
+                </a:solidFill>
+                <a:latin typeface="微軟正黑體" pitchFamily="34" charset="-120"/>
+                <a:ea typeface="微軟正黑體" pitchFamily="34" charset="-120"/>
+              </a:rPr>
+              <a:t>感謝天父  </a:t>
+            </a:r>
+            <a:r>
+              <a:rPr lang="zh-TW" altLang="en-US" sz="6400" b="1" dirty="0">
+                <a:solidFill>
+                  <a:srgbClr val="660033"/>
+                </a:solidFill>
+                <a:latin typeface="微軟正黑體" pitchFamily="34" charset="-120"/>
+                <a:ea typeface="微軟正黑體" pitchFamily="34" charset="-120"/>
+              </a:rPr>
+              <a:t> </a:t>
+            </a:r>
+            <a:r>
+              <a:rPr lang="zh-CN" altLang="en-US" sz="6400" b="1" dirty="0">
+                <a:solidFill>
+                  <a:srgbClr val="660033"/>
+                </a:solidFill>
+                <a:latin typeface="微軟正黑體" pitchFamily="34" charset="-120"/>
+                <a:ea typeface="微軟正黑體" pitchFamily="34" charset="-120"/>
+              </a:rPr>
+              <a:t>袮</a:t>
+            </a:r>
+            <a:r>
+              <a:rPr lang="zh-TW" altLang="en-US" sz="6400" b="1" dirty="0">
+                <a:solidFill>
+                  <a:srgbClr val="660033"/>
+                </a:solidFill>
+                <a:latin typeface="微軟正黑體" pitchFamily="34" charset="-120"/>
+                <a:ea typeface="微軟正黑體" pitchFamily="34" charset="-120"/>
+              </a:rPr>
+              <a:t>賜下獨生子</a:t>
+            </a:r>
+            <a:endParaRPr lang="en-US" altLang="zh-TW" sz="6400" b="1" dirty="0">
+              <a:solidFill>
+                <a:srgbClr val="660033"/>
+              </a:solidFill>
+              <a:latin typeface="微軟正黑體" pitchFamily="34" charset="-120"/>
+              <a:ea typeface="微軟正黑體" pitchFamily="34" charset="-120"/>
+            </a:endParaRPr>
+          </a:p>
+        </p:txBody>
+      </p:sp>
+      <p:sp>
+        <p:nvSpPr>
+          <p:cNvPr id="3" name="TextBox 2"/>
+          <p:cNvSpPr txBox="1"/>
+          <p:nvPr/>
+        </p:nvSpPr>
+        <p:spPr>
+          <a:xfrm>
+            <a:off x="0" y="5268592"/>
+            <a:ext cx="12192000" cy="830997"/>
+          </a:xfrm>
+          <a:prstGeom prst="rect">
+            <a:avLst/>
+          </a:prstGeom>
+          <a:noFill/>
+        </p:spPr>
+        <p:txBody>
+          <a:bodyPr wrap="square" rtlCol="0" anchor="ctr">
+            <a:spAutoFit/>
+          </a:bodyPr>
+          <a:lstStyle/>
+          <a:p>
+            <a:pPr algn="ctr"/>
+            <a:r>
+              <a:rPr lang="en-US" sz="4800" b="1" dirty="0">
+                <a:solidFill>
+                  <a:srgbClr val="660033"/>
+                </a:solidFill>
+                <a:effectLst/>
                 <a:latin typeface="Microsoft JhengHei" panose="020B0604030504040204" pitchFamily="34" charset="-120"/>
                 <a:ea typeface="Microsoft JhengHei" panose="020B0604030504040204" pitchFamily="34" charset="-120"/>
               </a:rPr>
-              <a:t>感謝天父</a:t>
-            </a:r>
-            <a:endParaRPr lang="vi-VN" sz="4800" b="1" dirty="0">
-              <a:ea typeface="Microsoft JhengHei" panose="020B0604030504040204" pitchFamily="34" charset="-120"/>
-            </a:endParaRPr>
-          </a:p>
-        </p:txBody>
-      </p:sp>
-      <p:sp>
-        <p:nvSpPr>
-          <p:cNvPr id="3" name="Content Placeholder 2"/>
-          <p:cNvSpPr>
-            <a:spLocks noGrp="1"/>
-          </p:cNvSpPr>
-          <p:nvPr>
-            <p:ph idx="1"/>
-          </p:nvPr>
-        </p:nvSpPr>
-        <p:spPr/>
-        <p:txBody>
-          <a:bodyPr>
-            <a:normAutofit/>
-          </a:bodyPr>
-          <a:lstStyle/>
-          <a:p>
-            <a:pPr marL="0" indent="0" algn="ctr">
-              <a:buNone/>
-            </a:pPr>
-            <a:r>
-              <a:rPr lang="zh-TW" altLang="en-US" sz="5400" b="1" dirty="0">
+              <a:t>( </a:t>
+            </a:r>
+            <a:r>
+              <a:rPr lang="zh-CN" altLang="en-US" sz="4800" b="1" dirty="0">
+                <a:solidFill>
+                  <a:srgbClr val="660033"/>
+                </a:solidFill>
+                <a:effectLst/>
                 <a:latin typeface="Microsoft JhengHei" panose="020B0604030504040204" pitchFamily="34" charset="-120"/>
                 <a:ea typeface="Microsoft JhengHei" panose="020B0604030504040204" pitchFamily="34" charset="-120"/>
               </a:rPr>
-              <a:t>感謝天</a:t>
-            </a:r>
-            <a:r>
-              <a:rPr lang="zh-TW" altLang="en-US" sz="5400" b="1" dirty="0" smtClean="0">
+              <a:t>正</a:t>
+            </a:r>
+            <a:r>
+              <a:rPr lang="en-US" sz="4800" b="1" dirty="0">
+                <a:solidFill>
+                  <a:srgbClr val="660033"/>
+                </a:solidFill>
+                <a:effectLst/>
                 <a:latin typeface="Microsoft JhengHei" panose="020B0604030504040204" pitchFamily="34" charset="-120"/>
                 <a:ea typeface="Microsoft JhengHei" panose="020B0604030504040204" pitchFamily="34" charset="-120"/>
               </a:rPr>
-              <a:t>父  </a:t>
-            </a:r>
-            <a:r>
-              <a:rPr lang="zh-CN" altLang="en-US" sz="5400" b="1" dirty="0" smtClean="0">
+              <a:t> )</a:t>
+            </a:r>
+            <a:endParaRPr lang="vi-VN" sz="4800" b="1" dirty="0">
+              <a:solidFill>
+                <a:srgbClr val="660033"/>
+              </a:solidFill>
+              <a:effectLst/>
+              <a:latin typeface="Microsoft JhengHei" panose="020B0604030504040204" pitchFamily="34" charset="-120"/>
+              <a:ea typeface="Microsoft JhengHei" panose="020B0604030504040204" pitchFamily="34" charset="-120"/>
+            </a:endParaRPr>
+          </a:p>
+        </p:txBody>
+      </p:sp>
+    </p:spTree>
+    <p:extLst>
+      <p:ext uri="{BB962C8B-B14F-4D97-AF65-F5344CB8AC3E}">
+        <p14:creationId xmlns:p14="http://schemas.microsoft.com/office/powerpoint/2010/main" val="2207387715"/>
+      </p:ext>
+    </p:extLst>
+  </p:cSld>
+  <p:clrMapOvr>
+    <a:masterClrMapping/>
+  </p:clrMapOvr>
+</p:sld>
+</file>
+
+<file path=ppt/slides/slide3.xml><?xml version="1.0" encoding="utf-8"?>
+<p:sld xmlns:a="http://schemas.openxmlformats.org/drawingml/2006/main" xmlns:r="http://schemas.openxmlformats.org/officeDocument/2006/relationships" xmlns:p="http://schemas.openxmlformats.org/presentationml/2006/main">
+  <p:cSld>
+    <p:spTree>
+      <p:nvGrpSpPr>
+        <p:cNvPr id="1" name=""/>
+        <p:cNvGrpSpPr/>
+        <p:nvPr/>
+      </p:nvGrpSpPr>
+      <p:grpSpPr>
+        <a:xfrm>
+          <a:off x="0" y="0"/>
+          <a:ext cx="0" cy="0"/>
+          <a:chOff x="0" y="0"/>
+          <a:chExt cx="0" cy="0"/>
+        </a:xfrm>
+      </p:grpSpPr>
+      <p:sp>
+        <p:nvSpPr>
+          <p:cNvPr id="5" name="內容版面配置區 4"/>
+          <p:cNvSpPr>
+            <a:spLocks noGrp="1"/>
+          </p:cNvSpPr>
+          <p:nvPr>
+            <p:ph idx="1"/>
+          </p:nvPr>
+        </p:nvSpPr>
+        <p:spPr>
+          <a:xfrm>
+            <a:off x="0" y="2084851"/>
+            <a:ext cx="12192000" cy="2404863"/>
+          </a:xfrm>
+        </p:spPr>
+        <p:txBody>
+          <a:bodyPr anchor="ctr">
+            <a:normAutofit/>
+          </a:bodyPr>
+          <a:lstStyle/>
+          <a:p>
+            <a:pPr marL="0" indent="0" algn="ctr">
+              <a:buNone/>
+            </a:pPr>
+            <a:r>
+              <a:rPr lang="zh-TW" altLang="en-US" sz="6400" b="1" dirty="0">
+                <a:solidFill>
+                  <a:srgbClr val="660033"/>
+                </a:solidFill>
+                <a:latin typeface="Microsoft JhengHei" panose="020B0604030504040204" pitchFamily="34" charset="-120"/>
+                <a:ea typeface="Microsoft JhengHei" panose="020B0604030504040204" pitchFamily="34" charset="-120"/>
+              </a:rPr>
+              <a:t>感謝耶穌   </a:t>
+            </a:r>
+            <a:r>
+              <a:rPr lang="zh-CN" altLang="en-US" sz="6400" b="1" dirty="0">
+                <a:solidFill>
+                  <a:srgbClr val="660033"/>
+                </a:solidFill>
                 <a:latin typeface="Microsoft JhengHei" panose="020B0604030504040204" pitchFamily="34" charset="-120"/>
                 <a:ea typeface="Microsoft JhengHei" panose="020B0604030504040204" pitchFamily="34" charset="-120"/>
               </a:rPr>
               <a:t>袮</a:t>
             </a:r>
             <a:r>
-              <a:rPr lang="zh-TW" altLang="en-US" sz="5400" b="1" dirty="0" smtClean="0">
+              <a:rPr lang="zh-TW" altLang="en-US" sz="6400" b="1" dirty="0">
+                <a:solidFill>
+                  <a:srgbClr val="660033"/>
+                </a:solidFill>
                 <a:latin typeface="Microsoft JhengHei" panose="020B0604030504040204" pitchFamily="34" charset="-120"/>
                 <a:ea typeface="Microsoft JhengHei" panose="020B0604030504040204" pitchFamily="34" charset="-120"/>
               </a:rPr>
-              <a:t>愛</a:t>
-            </a:r>
-            <a:r>
-              <a:rPr lang="zh-TW" altLang="en-US" sz="5400" b="1" dirty="0">
+              <a:t>為我們捨命</a:t>
+            </a:r>
+            <a:endParaRPr lang="en-US" altLang="zh-TW" sz="6400" b="1" dirty="0">
+              <a:solidFill>
+                <a:srgbClr val="660033"/>
+              </a:solidFill>
+              <a:latin typeface="Microsoft JhengHei" panose="020B0604030504040204" pitchFamily="34" charset="-120"/>
+              <a:ea typeface="Microsoft JhengHei" panose="020B0604030504040204" pitchFamily="34" charset="-120"/>
+            </a:endParaRPr>
+          </a:p>
+          <a:p>
+            <a:pPr marL="0" indent="0" algn="ctr">
+              <a:buNone/>
+            </a:pPr>
+            <a:r>
+              <a:rPr lang="zh-TW" altLang="en-US" sz="6400" b="1" dirty="0">
+                <a:solidFill>
+                  <a:srgbClr val="660033"/>
+                </a:solidFill>
                 <a:latin typeface="Microsoft JhengHei" panose="020B0604030504040204" pitchFamily="34" charset="-120"/>
                 <a:ea typeface="Microsoft JhengHei" panose="020B0604030504040204" pitchFamily="34" charset="-120"/>
               </a:rPr>
-              <a:t>充滿在這</a:t>
-            </a:r>
-            <a:r>
-              <a:rPr lang="zh-TW" altLang="en-US" sz="5400" b="1" dirty="0" smtClean="0">
-                <a:latin typeface="Microsoft JhengHei" panose="020B0604030504040204" pitchFamily="34" charset="-120"/>
-                <a:ea typeface="Microsoft JhengHei" panose="020B0604030504040204" pitchFamily="34" charset="-120"/>
-              </a:rPr>
-              <a:t>地</a:t>
-            </a:r>
-            <a:endParaRPr lang="en-US" altLang="zh-TW" sz="5400" b="1" dirty="0" smtClean="0">
-              <a:latin typeface="Microsoft JhengHei" panose="020B0604030504040204" pitchFamily="34" charset="-120"/>
-              <a:ea typeface="Microsoft JhengHei" panose="020B0604030504040204" pitchFamily="34" charset="-120"/>
-            </a:endParaRPr>
-          </a:p>
-          <a:p>
-            <a:pPr marL="0" indent="0" algn="ctr">
-              <a:buNone/>
-            </a:pPr>
-            <a:r>
-              <a:rPr lang="zh-TW" altLang="en-US" sz="5400" b="1" dirty="0" smtClean="0">
-                <a:latin typeface="Microsoft JhengHei" panose="020B0604030504040204" pitchFamily="34" charset="-120"/>
-                <a:ea typeface="Microsoft JhengHei" panose="020B0604030504040204" pitchFamily="34" charset="-120"/>
-              </a:rPr>
-              <a:t>感</a:t>
-            </a:r>
-            <a:r>
-              <a:rPr lang="zh-TW" altLang="en-US" sz="5400" b="1" dirty="0">
-                <a:latin typeface="Microsoft JhengHei" panose="020B0604030504040204" pitchFamily="34" charset="-120"/>
-                <a:ea typeface="Microsoft JhengHei" panose="020B0604030504040204" pitchFamily="34" charset="-120"/>
-              </a:rPr>
-              <a:t>謝天</a:t>
-            </a:r>
-            <a:r>
-              <a:rPr lang="zh-TW" altLang="en-US" sz="5400" b="1" dirty="0" smtClean="0">
-                <a:latin typeface="Microsoft JhengHei" panose="020B0604030504040204" pitchFamily="34" charset="-120"/>
-                <a:ea typeface="Microsoft JhengHei" panose="020B0604030504040204" pitchFamily="34" charset="-120"/>
-              </a:rPr>
-              <a:t>父  </a:t>
-            </a:r>
-            <a:r>
-              <a:rPr lang="zh-CN" altLang="en-US" sz="5400" b="1" dirty="0" smtClean="0">
+              <a:t>感謝聖靈   </a:t>
+            </a:r>
+            <a:r>
+              <a:rPr lang="zh-CN" altLang="en-US" sz="6400" b="1" dirty="0">
+                <a:solidFill>
+                  <a:srgbClr val="660033"/>
+                </a:solidFill>
                 <a:latin typeface="Microsoft JhengHei" panose="020B0604030504040204" pitchFamily="34" charset="-120"/>
                 <a:ea typeface="Microsoft JhengHei" panose="020B0604030504040204" pitchFamily="34" charset="-120"/>
               </a:rPr>
               <a:t>袮</a:t>
             </a:r>
             <a:r>
-              <a:rPr lang="zh-TW" altLang="en-US" sz="5400" b="1" dirty="0" smtClean="0">
+              <a:rPr lang="zh-TW" altLang="en-US" sz="6400" b="1" dirty="0">
+                <a:solidFill>
+                  <a:srgbClr val="660033"/>
+                </a:solidFill>
                 <a:latin typeface="Microsoft JhengHei" panose="020B0604030504040204" pitchFamily="34" charset="-120"/>
                 <a:ea typeface="Microsoft JhengHei" panose="020B0604030504040204" pitchFamily="34" charset="-120"/>
               </a:rPr>
-              <a:t>賜</a:t>
-            </a:r>
-            <a:r>
-              <a:rPr lang="zh-TW" altLang="en-US" sz="5400" b="1" dirty="0">
+              <a:t>時刻與我同行</a:t>
+            </a:r>
+            <a:endParaRPr lang="vi-VN" sz="6400" b="1" dirty="0">
+              <a:solidFill>
+                <a:srgbClr val="660033"/>
+              </a:solidFill>
+              <a:ea typeface="Microsoft JhengHei" panose="020B0604030504040204" pitchFamily="34" charset="-120"/>
+            </a:endParaRPr>
+          </a:p>
+        </p:txBody>
+      </p:sp>
+      <p:sp>
+        <p:nvSpPr>
+          <p:cNvPr id="3" name="TextBox 2"/>
+          <p:cNvSpPr txBox="1"/>
+          <p:nvPr/>
+        </p:nvSpPr>
+        <p:spPr>
+          <a:xfrm>
+            <a:off x="0" y="5268592"/>
+            <a:ext cx="12192000" cy="830997"/>
+          </a:xfrm>
+          <a:prstGeom prst="rect">
+            <a:avLst/>
+          </a:prstGeom>
+          <a:noFill/>
+        </p:spPr>
+        <p:txBody>
+          <a:bodyPr wrap="square" rtlCol="0" anchor="ctr">
+            <a:spAutoFit/>
+          </a:bodyPr>
+          <a:lstStyle/>
+          <a:p>
+            <a:pPr algn="ctr"/>
+            <a:r>
+              <a:rPr lang="en-US" sz="4800" b="1" dirty="0">
+                <a:solidFill>
+                  <a:srgbClr val="660033"/>
+                </a:solidFill>
+                <a:effectLst/>
                 <a:latin typeface="Microsoft JhengHei" panose="020B0604030504040204" pitchFamily="34" charset="-120"/>
                 <a:ea typeface="Microsoft JhengHei" panose="020B0604030504040204" pitchFamily="34" charset="-120"/>
               </a:rPr>
-              <a:t>下獨生</a:t>
-            </a:r>
-            <a:r>
-              <a:rPr lang="zh-TW" altLang="en-US" sz="5400" b="1" dirty="0" smtClean="0">
+              <a:t>( </a:t>
+            </a:r>
+            <a:r>
+              <a:rPr lang="zh-CN" altLang="en-US" sz="4800" b="1" dirty="0">
+                <a:solidFill>
+                  <a:srgbClr val="660033"/>
+                </a:solidFill>
+                <a:effectLst/>
                 <a:latin typeface="Microsoft JhengHei" panose="020B0604030504040204" pitchFamily="34" charset="-120"/>
                 <a:ea typeface="Microsoft JhengHei" panose="020B0604030504040204" pitchFamily="34" charset="-120"/>
               </a:rPr>
-              <a:t>子</a:t>
-            </a:r>
-            <a:endParaRPr lang="en-US" altLang="zh-TW" sz="5400" b="1" dirty="0" smtClean="0">
+              <a:t>副</a:t>
+            </a:r>
+            <a:r>
+              <a:rPr lang="en-US" sz="4800" b="1" dirty="0">
+                <a:solidFill>
+                  <a:srgbClr val="660033"/>
+                </a:solidFill>
+                <a:effectLst/>
+                <a:latin typeface="Microsoft JhengHei" panose="020B0604030504040204" pitchFamily="34" charset="-120"/>
+                <a:ea typeface="Microsoft JhengHei" panose="020B0604030504040204" pitchFamily="34" charset="-120"/>
+              </a:rPr>
+              <a:t> </a:t>
+            </a:r>
+            <a:r>
+              <a:rPr lang="en-US" sz="4800" b="1" dirty="0">
+                <a:solidFill>
+                  <a:srgbClr val="660033"/>
+                </a:solidFill>
+                <a:effectLst/>
+                <a:latin typeface="Microsoft JhengHei" panose="020B0604030504040204" pitchFamily="34" charset="-120"/>
+                <a:ea typeface="Microsoft JhengHei" panose="020B0604030504040204" pitchFamily="34" charset="-120"/>
+              </a:rPr>
+              <a:t>)</a:t>
+            </a:r>
+            <a:endParaRPr lang="vi-VN" sz="4800" b="1" dirty="0">
+              <a:solidFill>
+                <a:srgbClr val="660033"/>
+              </a:solidFill>
+              <a:effectLst/>
               <a:latin typeface="Microsoft JhengHei" panose="020B0604030504040204" pitchFamily="34" charset="-120"/>
               <a:ea typeface="Microsoft JhengHei" panose="020B0604030504040204" pitchFamily="34" charset="-120"/>
             </a:endParaRPr>
           </a:p>
-          <a:p>
-            <a:pPr marL="0" indent="0" algn="ctr">
-              <a:buNone/>
-            </a:pPr>
-            <a:r>
-              <a:rPr lang="zh-TW" altLang="en-US" sz="5400" b="1" dirty="0" smtClean="0">
-                <a:latin typeface="Microsoft JhengHei" panose="020B0604030504040204" pitchFamily="34" charset="-120"/>
-                <a:ea typeface="Microsoft JhengHei" panose="020B0604030504040204" pitchFamily="34" charset="-120"/>
-              </a:rPr>
-              <a:t>感</a:t>
-            </a:r>
-            <a:r>
-              <a:rPr lang="zh-TW" altLang="en-US" sz="5400" b="1" dirty="0">
-                <a:latin typeface="Microsoft JhengHei" panose="020B0604030504040204" pitchFamily="34" charset="-120"/>
-                <a:ea typeface="Microsoft JhengHei" panose="020B0604030504040204" pitchFamily="34" charset="-120"/>
-              </a:rPr>
-              <a:t>謝耶</a:t>
-            </a:r>
-            <a:r>
-              <a:rPr lang="zh-TW" altLang="en-US" sz="5400" b="1" dirty="0" smtClean="0">
-                <a:latin typeface="Microsoft JhengHei" panose="020B0604030504040204" pitchFamily="34" charset="-120"/>
-                <a:ea typeface="Microsoft JhengHei" panose="020B0604030504040204" pitchFamily="34" charset="-120"/>
-              </a:rPr>
-              <a:t>穌  </a:t>
-            </a:r>
-            <a:r>
-              <a:rPr lang="zh-CN" altLang="en-US" sz="5400" b="1" dirty="0" smtClean="0">
-                <a:latin typeface="Microsoft JhengHei" panose="020B0604030504040204" pitchFamily="34" charset="-120"/>
-                <a:ea typeface="Microsoft JhengHei" panose="020B0604030504040204" pitchFamily="34" charset="-120"/>
-              </a:rPr>
-              <a:t>袮</a:t>
-            </a:r>
-            <a:r>
-              <a:rPr lang="zh-TW" altLang="en-US" sz="5400" b="1" dirty="0" smtClean="0">
-                <a:latin typeface="Microsoft JhengHei" panose="020B0604030504040204" pitchFamily="34" charset="-120"/>
-                <a:ea typeface="Microsoft JhengHei" panose="020B0604030504040204" pitchFamily="34" charset="-120"/>
-              </a:rPr>
-              <a:t>為</a:t>
-            </a:r>
-            <a:r>
-              <a:rPr lang="zh-TW" altLang="en-US" sz="5400" b="1" dirty="0">
-                <a:latin typeface="Microsoft JhengHei" panose="020B0604030504040204" pitchFamily="34" charset="-120"/>
-                <a:ea typeface="Microsoft JhengHei" panose="020B0604030504040204" pitchFamily="34" charset="-120"/>
-              </a:rPr>
-              <a:t>我們捨</a:t>
-            </a:r>
-            <a:r>
-              <a:rPr lang="zh-TW" altLang="en-US" sz="5400" b="1" dirty="0" smtClean="0">
-                <a:latin typeface="Microsoft JhengHei" panose="020B0604030504040204" pitchFamily="34" charset="-120"/>
-                <a:ea typeface="Microsoft JhengHei" panose="020B0604030504040204" pitchFamily="34" charset="-120"/>
-              </a:rPr>
-              <a:t>命</a:t>
-            </a:r>
-            <a:endParaRPr lang="en-US" altLang="zh-TW" sz="5400" b="1" dirty="0" smtClean="0">
-              <a:latin typeface="Microsoft JhengHei" panose="020B0604030504040204" pitchFamily="34" charset="-120"/>
-              <a:ea typeface="Microsoft JhengHei" panose="020B0604030504040204" pitchFamily="34" charset="-120"/>
-            </a:endParaRPr>
-          </a:p>
-          <a:p>
-            <a:pPr marL="0" indent="0" algn="ctr">
-              <a:buNone/>
-            </a:pPr>
-            <a:r>
-              <a:rPr lang="zh-TW" altLang="en-US" sz="5400" b="1" dirty="0" smtClean="0">
-                <a:latin typeface="Microsoft JhengHei" panose="020B0604030504040204" pitchFamily="34" charset="-120"/>
-                <a:ea typeface="Microsoft JhengHei" panose="020B0604030504040204" pitchFamily="34" charset="-120"/>
-              </a:rPr>
-              <a:t>感</a:t>
-            </a:r>
-            <a:r>
-              <a:rPr lang="zh-TW" altLang="en-US" sz="5400" b="1" dirty="0">
-                <a:latin typeface="Microsoft JhengHei" panose="020B0604030504040204" pitchFamily="34" charset="-120"/>
-                <a:ea typeface="Microsoft JhengHei" panose="020B0604030504040204" pitchFamily="34" charset="-120"/>
-              </a:rPr>
-              <a:t>謝聖</a:t>
-            </a:r>
-            <a:r>
-              <a:rPr lang="zh-TW" altLang="en-US" sz="5400" b="1" dirty="0" smtClean="0">
-                <a:latin typeface="Microsoft JhengHei" panose="020B0604030504040204" pitchFamily="34" charset="-120"/>
-                <a:ea typeface="Microsoft JhengHei" panose="020B0604030504040204" pitchFamily="34" charset="-120"/>
-              </a:rPr>
-              <a:t>靈  </a:t>
-            </a:r>
-            <a:r>
-              <a:rPr lang="zh-CN" altLang="en-US" sz="5400" b="1" dirty="0" smtClean="0">
-                <a:latin typeface="Microsoft JhengHei" panose="020B0604030504040204" pitchFamily="34" charset="-120"/>
-                <a:ea typeface="Microsoft JhengHei" panose="020B0604030504040204" pitchFamily="34" charset="-120"/>
-              </a:rPr>
-              <a:t>袮</a:t>
-            </a:r>
-            <a:r>
-              <a:rPr lang="zh-TW" altLang="en-US" sz="5400" b="1" dirty="0" smtClean="0">
-                <a:latin typeface="Microsoft JhengHei" panose="020B0604030504040204" pitchFamily="34" charset="-120"/>
-                <a:ea typeface="Microsoft JhengHei" panose="020B0604030504040204" pitchFamily="34" charset="-120"/>
-              </a:rPr>
-              <a:t>時</a:t>
-            </a:r>
-            <a:r>
-              <a:rPr lang="zh-TW" altLang="en-US" sz="5400" b="1" dirty="0">
-                <a:latin typeface="Microsoft JhengHei" panose="020B0604030504040204" pitchFamily="34" charset="-120"/>
-                <a:ea typeface="Microsoft JhengHei" panose="020B0604030504040204" pitchFamily="34" charset="-120"/>
-              </a:rPr>
-              <a:t>刻與我同</a:t>
-            </a:r>
-            <a:r>
-              <a:rPr lang="zh-TW" altLang="en-US" sz="5400" b="1" dirty="0" smtClean="0">
-                <a:latin typeface="Microsoft JhengHei" panose="020B0604030504040204" pitchFamily="34" charset="-120"/>
-                <a:ea typeface="Microsoft JhengHei" panose="020B0604030504040204" pitchFamily="34" charset="-120"/>
-              </a:rPr>
-              <a:t>行</a:t>
-            </a:r>
-            <a:endParaRPr lang="vi-VN" sz="5400" b="1" dirty="0">
-              <a:ea typeface="Microsoft JhengHei" panose="020B0604030504040204" pitchFamily="34" charset="-120"/>
-            </a:endParaRPr>
-          </a:p>
         </p:txBody>
       </p:sp>
     </p:spTree>
     <p:extLst>
       <p:ext uri="{BB962C8B-B14F-4D97-AF65-F5344CB8AC3E}">
-        <p14:creationId xmlns:p14="http://schemas.microsoft.com/office/powerpoint/2010/main" val="2792803791"/>
+        <p14:creationId xmlns:p14="http://schemas.microsoft.com/office/powerpoint/2010/main" val="2462940156"/>
       </p:ext>
     </p:extLst>
   </p:cSld>

--- a/感謝天父(崇拜版).pptx
+++ b/感謝天父(崇拜版).pptx
@@ -152,7 +152,7 @@
           <a:lstStyle/>
           <a:p>
             <a:r>
-              <a:rPr lang="en-US" altLang="zh-TW" smtClean="0"/>
+              <a:rPr lang="en-US" altLang="zh-TW"/>
               <a:t>Click to edit Master title style</a:t>
             </a:r>
             <a:endParaRPr lang="zh-TW" altLang="en-US"/>
@@ -271,7 +271,7 @@
           </a:lstStyle>
           <a:p>
             <a:r>
-              <a:rPr lang="en-US" altLang="zh-TW" smtClean="0"/>
+              <a:rPr lang="en-US" altLang="zh-TW"/>
               <a:t>Click to edit Master subtitle style</a:t>
             </a:r>
             <a:endParaRPr lang="zh-TW" altLang="en-US"/>
@@ -295,7 +295,7 @@
           <a:p>
             <a:fld id="{9EF22A82-641B-4CAF-ADDE-F76E42FE23D1}" type="datetimeFigureOut">
               <a:rPr lang="vi-VN" smtClean="0"/>
-              <a:t>26/11/2021</a:t>
+              <a:t>01/02/2024</a:t>
             </a:fld>
             <a:endParaRPr lang="vi-VN"/>
           </a:p>
@@ -389,7 +389,7 @@
           <a:lstStyle/>
           <a:p>
             <a:r>
-              <a:rPr lang="en-US" altLang="zh-TW" smtClean="0"/>
+              <a:rPr lang="en-US" altLang="zh-TW"/>
               <a:t>Click to edit Master title style</a:t>
             </a:r>
             <a:endParaRPr lang="zh-TW" altLang="en-US"/>
@@ -413,35 +413,35 @@
           <a:p>
             <a:pPr lvl="0"/>
             <a:r>
-              <a:rPr lang="en-US" altLang="zh-TW" smtClean="0"/>
+              <a:rPr lang="en-US" altLang="zh-TW"/>
               <a:t>Edit Master text styles</a:t>
             </a:r>
           </a:p>
           <a:p>
             <a:pPr lvl="1"/>
             <a:r>
-              <a:rPr lang="en-US" altLang="zh-TW" smtClean="0"/>
+              <a:rPr lang="en-US" altLang="zh-TW"/>
               <a:t>Second level</a:t>
             </a:r>
           </a:p>
           <a:p>
             <a:pPr lvl="2"/>
             <a:r>
-              <a:rPr lang="en-US" altLang="zh-TW" smtClean="0"/>
+              <a:rPr lang="en-US" altLang="zh-TW"/>
               <a:t>Third level</a:t>
             </a:r>
           </a:p>
           <a:p>
             <a:pPr lvl="3"/>
             <a:r>
-              <a:rPr lang="en-US" altLang="zh-TW" smtClean="0"/>
+              <a:rPr lang="en-US" altLang="zh-TW"/>
               <a:t>Fourth level</a:t>
             </a:r>
           </a:p>
           <a:p>
             <a:pPr lvl="4"/>
             <a:r>
-              <a:rPr lang="en-US" altLang="zh-TW" smtClean="0"/>
+              <a:rPr lang="en-US" altLang="zh-TW"/>
               <a:t>Fifth level</a:t>
             </a:r>
             <a:endParaRPr lang="zh-TW" altLang="en-US"/>
@@ -465,7 +465,7 @@
           <a:p>
             <a:fld id="{9EF22A82-641B-4CAF-ADDE-F76E42FE23D1}" type="datetimeFigureOut">
               <a:rPr lang="vi-VN" smtClean="0"/>
-              <a:t>26/11/2021</a:t>
+              <a:t>01/02/2024</a:t>
             </a:fld>
             <a:endParaRPr lang="vi-VN"/>
           </a:p>
@@ -564,7 +564,7 @@
           <a:lstStyle/>
           <a:p>
             <a:r>
-              <a:rPr lang="en-US" altLang="zh-TW" smtClean="0"/>
+              <a:rPr lang="en-US" altLang="zh-TW"/>
               <a:t>Click to edit Master title style</a:t>
             </a:r>
             <a:endParaRPr lang="zh-TW" altLang="en-US"/>
@@ -593,35 +593,35 @@
           <a:p>
             <a:pPr lvl="0"/>
             <a:r>
-              <a:rPr lang="en-US" altLang="zh-TW" smtClean="0"/>
+              <a:rPr lang="en-US" altLang="zh-TW"/>
               <a:t>Edit Master text styles</a:t>
             </a:r>
           </a:p>
           <a:p>
             <a:pPr lvl="1"/>
             <a:r>
-              <a:rPr lang="en-US" altLang="zh-TW" smtClean="0"/>
+              <a:rPr lang="en-US" altLang="zh-TW"/>
               <a:t>Second level</a:t>
             </a:r>
           </a:p>
           <a:p>
             <a:pPr lvl="2"/>
             <a:r>
-              <a:rPr lang="en-US" altLang="zh-TW" smtClean="0"/>
+              <a:rPr lang="en-US" altLang="zh-TW"/>
               <a:t>Third level</a:t>
             </a:r>
           </a:p>
           <a:p>
             <a:pPr lvl="3"/>
             <a:r>
-              <a:rPr lang="en-US" altLang="zh-TW" smtClean="0"/>
+              <a:rPr lang="en-US" altLang="zh-TW"/>
               <a:t>Fourth level</a:t>
             </a:r>
           </a:p>
           <a:p>
             <a:pPr lvl="4"/>
             <a:r>
-              <a:rPr lang="en-US" altLang="zh-TW" smtClean="0"/>
+              <a:rPr lang="en-US" altLang="zh-TW"/>
               <a:t>Fifth level</a:t>
             </a:r>
             <a:endParaRPr lang="zh-TW" altLang="en-US"/>
@@ -645,7 +645,7 @@
           <a:p>
             <a:fld id="{9EF22A82-641B-4CAF-ADDE-F76E42FE23D1}" type="datetimeFigureOut">
               <a:rPr lang="vi-VN" smtClean="0"/>
-              <a:t>26/11/2021</a:t>
+              <a:t>01/02/2024</a:t>
             </a:fld>
             <a:endParaRPr lang="vi-VN"/>
           </a:p>
@@ -739,7 +739,7 @@
           <a:lstStyle/>
           <a:p>
             <a:r>
-              <a:rPr lang="en-US" altLang="zh-TW" smtClean="0"/>
+              <a:rPr lang="en-US" altLang="zh-TW"/>
               <a:t>Click to edit Master title style</a:t>
             </a:r>
             <a:endParaRPr lang="zh-TW" altLang="en-US"/>
@@ -763,35 +763,35 @@
           <a:p>
             <a:pPr lvl="0"/>
             <a:r>
-              <a:rPr lang="en-US" altLang="zh-TW" smtClean="0"/>
+              <a:rPr lang="en-US" altLang="zh-TW"/>
               <a:t>Edit Master text styles</a:t>
             </a:r>
           </a:p>
           <a:p>
             <a:pPr lvl="1"/>
             <a:r>
-              <a:rPr lang="en-US" altLang="zh-TW" smtClean="0"/>
+              <a:rPr lang="en-US" altLang="zh-TW"/>
               <a:t>Second level</a:t>
             </a:r>
           </a:p>
           <a:p>
             <a:pPr lvl="2"/>
             <a:r>
-              <a:rPr lang="en-US" altLang="zh-TW" smtClean="0"/>
+              <a:rPr lang="en-US" altLang="zh-TW"/>
               <a:t>Third level</a:t>
             </a:r>
           </a:p>
           <a:p>
             <a:pPr lvl="3"/>
             <a:r>
-              <a:rPr lang="en-US" altLang="zh-TW" smtClean="0"/>
+              <a:rPr lang="en-US" altLang="zh-TW"/>
               <a:t>Fourth level</a:t>
             </a:r>
           </a:p>
           <a:p>
             <a:pPr lvl="4"/>
             <a:r>
-              <a:rPr lang="en-US" altLang="zh-TW" smtClean="0"/>
+              <a:rPr lang="en-US" altLang="zh-TW"/>
               <a:t>Fifth level</a:t>
             </a:r>
             <a:endParaRPr lang="zh-TW" altLang="en-US"/>
@@ -815,7 +815,7 @@
           <a:p>
             <a:fld id="{9EF22A82-641B-4CAF-ADDE-F76E42FE23D1}" type="datetimeFigureOut">
               <a:rPr lang="vi-VN" smtClean="0"/>
-              <a:t>26/11/2021</a:t>
+              <a:t>01/02/2024</a:t>
             </a:fld>
             <a:endParaRPr lang="vi-VN"/>
           </a:p>
@@ -918,7 +918,7 @@
           </a:lstStyle>
           <a:p>
             <a:r>
-              <a:rPr lang="en-US" altLang="zh-TW" smtClean="0"/>
+              <a:rPr lang="en-US" altLang="zh-TW"/>
               <a:t>Click to edit Master title style</a:t>
             </a:r>
             <a:endParaRPr lang="zh-TW" altLang="en-US"/>
@@ -1038,7 +1038,7 @@
           <a:p>
             <a:pPr lvl="0"/>
             <a:r>
-              <a:rPr lang="en-US" altLang="zh-TW" smtClean="0"/>
+              <a:rPr lang="en-US" altLang="zh-TW"/>
               <a:t>Edit Master text styles</a:t>
             </a:r>
           </a:p>
@@ -1061,7 +1061,7 @@
           <a:p>
             <a:fld id="{9EF22A82-641B-4CAF-ADDE-F76E42FE23D1}" type="datetimeFigureOut">
               <a:rPr lang="vi-VN" smtClean="0"/>
-              <a:t>26/11/2021</a:t>
+              <a:t>01/02/2024</a:t>
             </a:fld>
             <a:endParaRPr lang="vi-VN"/>
           </a:p>
@@ -1155,7 +1155,7 @@
           <a:lstStyle/>
           <a:p>
             <a:r>
-              <a:rPr lang="en-US" altLang="zh-TW" smtClean="0"/>
+              <a:rPr lang="en-US" altLang="zh-TW"/>
               <a:t>Click to edit Master title style</a:t>
             </a:r>
             <a:endParaRPr lang="zh-TW" altLang="en-US"/>
@@ -1212,35 +1212,35 @@
           <a:p>
             <a:pPr lvl="0"/>
             <a:r>
-              <a:rPr lang="en-US" altLang="zh-TW" smtClean="0"/>
+              <a:rPr lang="en-US" altLang="zh-TW"/>
               <a:t>Edit Master text styles</a:t>
             </a:r>
           </a:p>
           <a:p>
             <a:pPr lvl="1"/>
             <a:r>
-              <a:rPr lang="en-US" altLang="zh-TW" smtClean="0"/>
+              <a:rPr lang="en-US" altLang="zh-TW"/>
               <a:t>Second level</a:t>
             </a:r>
           </a:p>
           <a:p>
             <a:pPr lvl="2"/>
             <a:r>
-              <a:rPr lang="en-US" altLang="zh-TW" smtClean="0"/>
+              <a:rPr lang="en-US" altLang="zh-TW"/>
               <a:t>Third level</a:t>
             </a:r>
           </a:p>
           <a:p>
             <a:pPr lvl="3"/>
             <a:r>
-              <a:rPr lang="en-US" altLang="zh-TW" smtClean="0"/>
+              <a:rPr lang="en-US" altLang="zh-TW"/>
               <a:t>Fourth level</a:t>
             </a:r>
           </a:p>
           <a:p>
             <a:pPr lvl="4"/>
             <a:r>
-              <a:rPr lang="en-US" altLang="zh-TW" smtClean="0"/>
+              <a:rPr lang="en-US" altLang="zh-TW"/>
               <a:t>Fifth level</a:t>
             </a:r>
             <a:endParaRPr lang="zh-TW" altLang="en-US"/>
@@ -1297,35 +1297,35 @@
           <a:p>
             <a:pPr lvl="0"/>
             <a:r>
-              <a:rPr lang="en-US" altLang="zh-TW" smtClean="0"/>
+              <a:rPr lang="en-US" altLang="zh-TW"/>
               <a:t>Edit Master text styles</a:t>
             </a:r>
           </a:p>
           <a:p>
             <a:pPr lvl="1"/>
             <a:r>
-              <a:rPr lang="en-US" altLang="zh-TW" smtClean="0"/>
+              <a:rPr lang="en-US" altLang="zh-TW"/>
               <a:t>Second level</a:t>
             </a:r>
           </a:p>
           <a:p>
             <a:pPr lvl="2"/>
             <a:r>
-              <a:rPr lang="en-US" altLang="zh-TW" smtClean="0"/>
+              <a:rPr lang="en-US" altLang="zh-TW"/>
               <a:t>Third level</a:t>
             </a:r>
           </a:p>
           <a:p>
             <a:pPr lvl="3"/>
             <a:r>
-              <a:rPr lang="en-US" altLang="zh-TW" smtClean="0"/>
+              <a:rPr lang="en-US" altLang="zh-TW"/>
               <a:t>Fourth level</a:t>
             </a:r>
           </a:p>
           <a:p>
             <a:pPr lvl="4"/>
             <a:r>
-              <a:rPr lang="en-US" altLang="zh-TW" smtClean="0"/>
+              <a:rPr lang="en-US" altLang="zh-TW"/>
               <a:t>Fifth level</a:t>
             </a:r>
             <a:endParaRPr lang="zh-TW" altLang="en-US"/>
@@ -1349,7 +1349,7 @@
           <a:p>
             <a:fld id="{9EF22A82-641B-4CAF-ADDE-F76E42FE23D1}" type="datetimeFigureOut">
               <a:rPr lang="vi-VN" smtClean="0"/>
-              <a:t>26/11/2021</a:t>
+              <a:t>01/02/2024</a:t>
             </a:fld>
             <a:endParaRPr lang="vi-VN"/>
           </a:p>
@@ -1447,7 +1447,7 @@
           </a:lstStyle>
           <a:p>
             <a:r>
-              <a:rPr lang="en-US" altLang="zh-TW" smtClean="0"/>
+              <a:rPr lang="en-US" altLang="zh-TW"/>
               <a:t>Click to edit Master title style</a:t>
             </a:r>
             <a:endParaRPr lang="zh-TW" altLang="en-US"/>
@@ -1513,7 +1513,7 @@
           <a:p>
             <a:pPr lvl="0"/>
             <a:r>
-              <a:rPr lang="en-US" altLang="zh-TW" smtClean="0"/>
+              <a:rPr lang="en-US" altLang="zh-TW"/>
               <a:t>Edit Master text styles</a:t>
             </a:r>
           </a:p>
@@ -1569,35 +1569,35 @@
           <a:p>
             <a:pPr lvl="0"/>
             <a:r>
-              <a:rPr lang="en-US" altLang="zh-TW" smtClean="0"/>
+              <a:rPr lang="en-US" altLang="zh-TW"/>
               <a:t>Edit Master text styles</a:t>
             </a:r>
           </a:p>
           <a:p>
             <a:pPr lvl="1"/>
             <a:r>
-              <a:rPr lang="en-US" altLang="zh-TW" smtClean="0"/>
+              <a:rPr lang="en-US" altLang="zh-TW"/>
               <a:t>Second level</a:t>
             </a:r>
           </a:p>
           <a:p>
             <a:pPr lvl="2"/>
             <a:r>
-              <a:rPr lang="en-US" altLang="zh-TW" smtClean="0"/>
+              <a:rPr lang="en-US" altLang="zh-TW"/>
               <a:t>Third level</a:t>
             </a:r>
           </a:p>
           <a:p>
             <a:pPr lvl="3"/>
             <a:r>
-              <a:rPr lang="en-US" altLang="zh-TW" smtClean="0"/>
+              <a:rPr lang="en-US" altLang="zh-TW"/>
               <a:t>Fourth level</a:t>
             </a:r>
           </a:p>
           <a:p>
             <a:pPr lvl="4"/>
             <a:r>
-              <a:rPr lang="en-US" altLang="zh-TW" smtClean="0"/>
+              <a:rPr lang="en-US" altLang="zh-TW"/>
               <a:t>Fifth level</a:t>
             </a:r>
             <a:endParaRPr lang="zh-TW" altLang="en-US"/>
@@ -1663,7 +1663,7 @@
           <a:p>
             <a:pPr lvl="0"/>
             <a:r>
-              <a:rPr lang="en-US" altLang="zh-TW" smtClean="0"/>
+              <a:rPr lang="en-US" altLang="zh-TW"/>
               <a:t>Edit Master text styles</a:t>
             </a:r>
           </a:p>
@@ -1719,35 +1719,35 @@
           <a:p>
             <a:pPr lvl="0"/>
             <a:r>
-              <a:rPr lang="en-US" altLang="zh-TW" smtClean="0"/>
+              <a:rPr lang="en-US" altLang="zh-TW"/>
               <a:t>Edit Master text styles</a:t>
             </a:r>
           </a:p>
           <a:p>
             <a:pPr lvl="1"/>
             <a:r>
-              <a:rPr lang="en-US" altLang="zh-TW" smtClean="0"/>
+              <a:rPr lang="en-US" altLang="zh-TW"/>
               <a:t>Second level</a:t>
             </a:r>
           </a:p>
           <a:p>
             <a:pPr lvl="2"/>
             <a:r>
-              <a:rPr lang="en-US" altLang="zh-TW" smtClean="0"/>
+              <a:rPr lang="en-US" altLang="zh-TW"/>
               <a:t>Third level</a:t>
             </a:r>
           </a:p>
           <a:p>
             <a:pPr lvl="3"/>
             <a:r>
-              <a:rPr lang="en-US" altLang="zh-TW" smtClean="0"/>
+              <a:rPr lang="en-US" altLang="zh-TW"/>
               <a:t>Fourth level</a:t>
             </a:r>
           </a:p>
           <a:p>
             <a:pPr lvl="4"/>
             <a:r>
-              <a:rPr lang="en-US" altLang="zh-TW" smtClean="0"/>
+              <a:rPr lang="en-US" altLang="zh-TW"/>
               <a:t>Fifth level</a:t>
             </a:r>
             <a:endParaRPr lang="zh-TW" altLang="en-US"/>
@@ -1771,7 +1771,7 @@
           <a:p>
             <a:fld id="{9EF22A82-641B-4CAF-ADDE-F76E42FE23D1}" type="datetimeFigureOut">
               <a:rPr lang="vi-VN" smtClean="0"/>
-              <a:t>26/11/2021</a:t>
+              <a:t>01/02/2024</a:t>
             </a:fld>
             <a:endParaRPr lang="vi-VN"/>
           </a:p>
@@ -1865,7 +1865,7 @@
           <a:lstStyle/>
           <a:p>
             <a:r>
-              <a:rPr lang="en-US" altLang="zh-TW" smtClean="0"/>
+              <a:rPr lang="en-US" altLang="zh-TW"/>
               <a:t>Click to edit Master title style</a:t>
             </a:r>
             <a:endParaRPr lang="zh-TW" altLang="en-US"/>
@@ -1889,7 +1889,7 @@
           <a:p>
             <a:fld id="{9EF22A82-641B-4CAF-ADDE-F76E42FE23D1}" type="datetimeFigureOut">
               <a:rPr lang="vi-VN" smtClean="0"/>
-              <a:t>26/11/2021</a:t>
+              <a:t>01/02/2024</a:t>
             </a:fld>
             <a:endParaRPr lang="vi-VN"/>
           </a:p>
@@ -1984,7 +1984,7 @@
           <a:p>
             <a:fld id="{9EF22A82-641B-4CAF-ADDE-F76E42FE23D1}" type="datetimeFigureOut">
               <a:rPr lang="vi-VN" smtClean="0"/>
-              <a:t>26/11/2021</a:t>
+              <a:t>01/02/2024</a:t>
             </a:fld>
             <a:endParaRPr lang="vi-VN"/>
           </a:p>
@@ -2087,7 +2087,7 @@
           </a:lstStyle>
           <a:p>
             <a:r>
-              <a:rPr lang="en-US" altLang="zh-TW" smtClean="0"/>
+              <a:rPr lang="en-US" altLang="zh-TW"/>
               <a:t>Click to edit Master title style</a:t>
             </a:r>
             <a:endParaRPr lang="zh-TW" altLang="en-US"/>
@@ -2144,35 +2144,35 @@
           <a:p>
             <a:pPr lvl="0"/>
             <a:r>
-              <a:rPr lang="en-US" altLang="zh-TW" smtClean="0"/>
+              <a:rPr lang="en-US" altLang="zh-TW"/>
               <a:t>Edit Master text styles</a:t>
             </a:r>
           </a:p>
           <a:p>
             <a:pPr lvl="1"/>
             <a:r>
-              <a:rPr lang="en-US" altLang="zh-TW" smtClean="0"/>
+              <a:rPr lang="en-US" altLang="zh-TW"/>
               <a:t>Second level</a:t>
             </a:r>
           </a:p>
           <a:p>
             <a:pPr lvl="2"/>
             <a:r>
-              <a:rPr lang="en-US" altLang="zh-TW" smtClean="0"/>
+              <a:rPr lang="en-US" altLang="zh-TW"/>
               <a:t>Third level</a:t>
             </a:r>
           </a:p>
           <a:p>
             <a:pPr lvl="3"/>
             <a:r>
-              <a:rPr lang="en-US" altLang="zh-TW" smtClean="0"/>
+              <a:rPr lang="en-US" altLang="zh-TW"/>
               <a:t>Fourth level</a:t>
             </a:r>
           </a:p>
           <a:p>
             <a:pPr lvl="4"/>
             <a:r>
-              <a:rPr lang="en-US" altLang="zh-TW" smtClean="0"/>
+              <a:rPr lang="en-US" altLang="zh-TW"/>
               <a:t>Fifth level</a:t>
             </a:r>
             <a:endParaRPr lang="zh-TW" altLang="en-US"/>
@@ -2238,7 +2238,7 @@
           <a:p>
             <a:pPr lvl="0"/>
             <a:r>
-              <a:rPr lang="en-US" altLang="zh-TW" smtClean="0"/>
+              <a:rPr lang="en-US" altLang="zh-TW"/>
               <a:t>Edit Master text styles</a:t>
             </a:r>
           </a:p>
@@ -2261,7 +2261,7 @@
           <a:p>
             <a:fld id="{9EF22A82-641B-4CAF-ADDE-F76E42FE23D1}" type="datetimeFigureOut">
               <a:rPr lang="vi-VN" smtClean="0"/>
-              <a:t>26/11/2021</a:t>
+              <a:t>01/02/2024</a:t>
             </a:fld>
             <a:endParaRPr lang="vi-VN"/>
           </a:p>
@@ -2364,7 +2364,7 @@
           </a:lstStyle>
           <a:p>
             <a:r>
-              <a:rPr lang="en-US" altLang="zh-TW" smtClean="0"/>
+              <a:rPr lang="en-US" altLang="zh-TW"/>
               <a:t>Click to edit Master title style</a:t>
             </a:r>
             <a:endParaRPr lang="zh-TW" altLang="en-US"/>
@@ -2429,7 +2429,7 @@
           </a:lstStyle>
           <a:p>
             <a:r>
-              <a:rPr lang="en-US" altLang="zh-TW" smtClean="0"/>
+              <a:rPr lang="en-US" altLang="zh-TW"/>
               <a:t>Click icon to add picture</a:t>
             </a:r>
             <a:endParaRPr lang="zh-TW" altLang="en-US"/>
@@ -2495,7 +2495,7 @@
           <a:p>
             <a:pPr lvl="0"/>
             <a:r>
-              <a:rPr lang="en-US" altLang="zh-TW" smtClean="0"/>
+              <a:rPr lang="en-US" altLang="zh-TW"/>
               <a:t>Edit Master text styles</a:t>
             </a:r>
           </a:p>
@@ -2518,7 +2518,7 @@
           <a:p>
             <a:fld id="{9EF22A82-641B-4CAF-ADDE-F76E42FE23D1}" type="datetimeFigureOut">
               <a:rPr lang="vi-VN" smtClean="0"/>
-              <a:t>26/11/2021</a:t>
+              <a:t>01/02/2024</a:t>
             </a:fld>
             <a:endParaRPr lang="vi-VN"/>
           </a:p>
@@ -2632,10 +2632,9 @@
           <a:lstStyle/>
           <a:p>
             <a:r>
-              <a:rPr lang="zh-TW" altLang="en-US" smtClean="0"/>
+              <a:rPr lang="zh-TW" altLang="en-US"/>
               <a:t>按一下以編輯母片標題樣式</a:t>
             </a:r>
-            <a:endParaRPr lang="zh-TW" altLang="en-US"/>
           </a:p>
         </p:txBody>
       </p:sp>
@@ -2666,38 +2665,37 @@
           <a:p>
             <a:pPr lvl="0"/>
             <a:r>
-              <a:rPr lang="zh-TW" altLang="en-US" smtClean="0"/>
+              <a:rPr lang="zh-TW" altLang="en-US"/>
               <a:t>按一下以編輯母片文字樣式</a:t>
             </a:r>
           </a:p>
           <a:p>
             <a:pPr lvl="1"/>
             <a:r>
-              <a:rPr lang="zh-TW" altLang="en-US" smtClean="0"/>
+              <a:rPr lang="zh-TW" altLang="en-US"/>
               <a:t>第二層</a:t>
             </a:r>
           </a:p>
           <a:p>
             <a:pPr lvl="2"/>
             <a:r>
-              <a:rPr lang="zh-TW" altLang="en-US" smtClean="0"/>
+              <a:rPr lang="zh-TW" altLang="en-US"/>
               <a:t>第三層</a:t>
             </a:r>
           </a:p>
           <a:p>
             <a:pPr lvl="3"/>
             <a:r>
-              <a:rPr lang="zh-TW" altLang="en-US" smtClean="0"/>
+              <a:rPr lang="zh-TW" altLang="en-US"/>
               <a:t>第四層</a:t>
             </a:r>
           </a:p>
           <a:p>
             <a:pPr lvl="4"/>
             <a:r>
-              <a:rPr lang="zh-TW" altLang="en-US" smtClean="0"/>
+              <a:rPr lang="zh-TW" altLang="en-US"/>
               <a:t>第五層</a:t>
             </a:r>
-            <a:endParaRPr lang="zh-TW" altLang="en-US"/>
           </a:p>
         </p:txBody>
       </p:sp>
@@ -2736,7 +2734,7 @@
           <a:p>
             <a:fld id="{9EF22A82-641B-4CAF-ADDE-F76E42FE23D1}" type="datetimeFigureOut">
               <a:rPr lang="vi-VN" smtClean="0"/>
-              <a:t>26/11/2021</a:t>
+              <a:t>01/02/2024</a:t>
             </a:fld>
             <a:endParaRPr lang="vi-VN"/>
           </a:p>
@@ -3148,24 +3146,7 @@
                 <a:latin typeface="微軟正黑體" pitchFamily="34" charset="-120"/>
                 <a:ea typeface="微軟正黑體" pitchFamily="34" charset="-120"/>
               </a:rPr>
-              <a:t>感</a:t>
-            </a:r>
-            <a:r>
-              <a:rPr lang="zh-CN" altLang="en-US" sz="7200" b="1" i="1" dirty="0">
-                <a:solidFill>
-                  <a:srgbClr val="660033"/>
-                </a:solidFill>
-                <a:effectLst>
-                  <a:outerShdw blurRad="38100" dist="38100" dir="2700000" algn="tl">
-                    <a:srgbClr val="000000">
-                      <a:alpha val="43137"/>
-                    </a:srgbClr>
-                  </a:outerShdw>
-                </a:effectLst>
-                <a:latin typeface="微軟正黑體" pitchFamily="34" charset="-120"/>
-                <a:ea typeface="微軟正黑體" pitchFamily="34" charset="-120"/>
-              </a:rPr>
-              <a:t>謝天父</a:t>
+              <a:t>感謝天父</a:t>
             </a:r>
           </a:p>
         </p:txBody>
@@ -3233,37 +3214,17 @@
                 <a:latin typeface="微軟正黑體" pitchFamily="34" charset="-120"/>
                 <a:ea typeface="微軟正黑體" pitchFamily="34" charset="-120"/>
               </a:rPr>
-              <a:t>感</a:t>
-            </a:r>
-            <a:r>
-              <a:rPr lang="zh-TW" altLang="en-US" sz="6400" b="1" dirty="0">
+              <a:t>感謝天父   </a:t>
+            </a:r>
+            <a:r>
+              <a:rPr lang="zh-CN" altLang="en-US" sz="6400" b="1" dirty="0">
                 <a:solidFill>
                   <a:srgbClr val="660033"/>
                 </a:solidFill>
                 <a:latin typeface="微軟正黑體" pitchFamily="34" charset="-120"/>
                 <a:ea typeface="微軟正黑體" pitchFamily="34" charset="-120"/>
               </a:rPr>
-              <a:t>謝天父  </a:t>
-            </a:r>
-            <a:r>
-              <a:rPr lang="zh-TW" altLang="en-US" sz="6400" b="1" dirty="0">
-                <a:solidFill>
-                  <a:srgbClr val="660033"/>
-                </a:solidFill>
-                <a:latin typeface="微軟正黑體" pitchFamily="34" charset="-120"/>
-                <a:ea typeface="微軟正黑體" pitchFamily="34" charset="-120"/>
-              </a:rPr>
-              <a:t> </a:t>
-            </a:r>
-            <a:r>
-              <a:rPr lang="zh-CN" altLang="en-US" sz="6400" b="1" dirty="0">
-                <a:solidFill>
-                  <a:srgbClr val="660033"/>
-                </a:solidFill>
-                <a:latin typeface="微軟正黑體" pitchFamily="34" charset="-120"/>
-                <a:ea typeface="微軟正黑體" pitchFamily="34" charset="-120"/>
-              </a:rPr>
-              <a:t>袮</a:t>
+              <a:t>祢</a:t>
             </a:r>
             <a:r>
               <a:rPr lang="zh-TW" altLang="en-US" sz="6400" b="1" dirty="0">
@@ -3295,27 +3256,17 @@
                 <a:latin typeface="微軟正黑體" pitchFamily="34" charset="-120"/>
                 <a:ea typeface="微軟正黑體" pitchFamily="34" charset="-120"/>
               </a:rPr>
-              <a:t>感謝天父  </a:t>
-            </a:r>
-            <a:r>
-              <a:rPr lang="zh-TW" altLang="en-US" sz="6400" b="1" dirty="0">
+              <a:t>感謝天父   </a:t>
+            </a:r>
+            <a:r>
+              <a:rPr lang="zh-CN" altLang="en-US" sz="6400" b="1" dirty="0">
                 <a:solidFill>
                   <a:srgbClr val="660033"/>
                 </a:solidFill>
                 <a:latin typeface="微軟正黑體" pitchFamily="34" charset="-120"/>
                 <a:ea typeface="微軟正黑體" pitchFamily="34" charset="-120"/>
               </a:rPr>
-              <a:t> </a:t>
-            </a:r>
-            <a:r>
-              <a:rPr lang="zh-CN" altLang="en-US" sz="6400" b="1" dirty="0">
-                <a:solidFill>
-                  <a:srgbClr val="660033"/>
-                </a:solidFill>
-                <a:latin typeface="微軟正黑體" pitchFamily="34" charset="-120"/>
-                <a:ea typeface="微軟正黑體" pitchFamily="34" charset="-120"/>
-              </a:rPr>
-              <a:t>袮</a:t>
+              <a:t>祢</a:t>
             </a:r>
             <a:r>
               <a:rPr lang="zh-TW" altLang="en-US" sz="6400" b="1" dirty="0">
@@ -3345,8 +3296,8 @@
         </p:nvSpPr>
         <p:spPr>
           <a:xfrm>
-            <a:off x="0" y="5268592"/>
-            <a:ext cx="12192000" cy="830997"/>
+            <a:off x="0" y="5360924"/>
+            <a:ext cx="12192000" cy="646331"/>
           </a:xfrm>
           <a:prstGeom prst="rect">
             <a:avLst/>
@@ -3361,7 +3312,7 @@
           <a:p>
             <a:pPr algn="ctr"/>
             <a:r>
-              <a:rPr lang="en-US" sz="4800" b="1" dirty="0">
+              <a:rPr lang="en-US" sz="3600" b="1" dirty="0">
                 <a:solidFill>
                   <a:srgbClr val="660033"/>
                 </a:solidFill>
@@ -3372,7 +3323,7 @@
               <a:t>( </a:t>
             </a:r>
             <a:r>
-              <a:rPr lang="zh-CN" altLang="en-US" sz="4800" b="1" dirty="0">
+              <a:rPr lang="zh-CN" altLang="en-US" sz="3600" b="1" dirty="0">
                 <a:solidFill>
                   <a:srgbClr val="660033"/>
                 </a:solidFill>
@@ -3380,10 +3331,10 @@
                 <a:latin typeface="Microsoft JhengHei" panose="020B0604030504040204" pitchFamily="34" charset="-120"/>
                 <a:ea typeface="Microsoft JhengHei" panose="020B0604030504040204" pitchFamily="34" charset="-120"/>
               </a:rPr>
-              <a:t>正</a:t>
-            </a:r>
-            <a:r>
-              <a:rPr lang="en-US" sz="4800" b="1" dirty="0">
+              <a:t>正歌</a:t>
+            </a:r>
+            <a:r>
+              <a:rPr lang="en-US" sz="3600" b="1" dirty="0">
                 <a:solidFill>
                   <a:srgbClr val="660033"/>
                 </a:solidFill>
@@ -3393,7 +3344,7 @@
               </a:rPr>
               <a:t> )</a:t>
             </a:r>
-            <a:endParaRPr lang="vi-VN" sz="4800" b="1" dirty="0">
+            <a:endParaRPr lang="vi-VN" sz="3600" b="1" dirty="0">
               <a:solidFill>
                 <a:srgbClr val="660033"/>
               </a:solidFill>
@@ -3477,7 +3428,7 @@
                 <a:latin typeface="Microsoft JhengHei" panose="020B0604030504040204" pitchFamily="34" charset="-120"/>
                 <a:ea typeface="Microsoft JhengHei" panose="020B0604030504040204" pitchFamily="34" charset="-120"/>
               </a:rPr>
-              <a:t>袮</a:t>
+              <a:t>祢</a:t>
             </a:r>
             <a:r>
               <a:rPr lang="zh-TW" altLang="en-US" sz="6400" b="1" dirty="0">
@@ -3519,7 +3470,7 @@
                 <a:latin typeface="Microsoft JhengHei" panose="020B0604030504040204" pitchFamily="34" charset="-120"/>
                 <a:ea typeface="Microsoft JhengHei" panose="020B0604030504040204" pitchFamily="34" charset="-120"/>
               </a:rPr>
-              <a:t>袮</a:t>
+              <a:t>祢</a:t>
             </a:r>
             <a:r>
               <a:rPr lang="zh-TW" altLang="en-US" sz="6400" b="1" dirty="0">
@@ -3548,8 +3499,8 @@
         </p:nvSpPr>
         <p:spPr>
           <a:xfrm>
-            <a:off x="0" y="5268592"/>
-            <a:ext cx="12192000" cy="830997"/>
+            <a:off x="0" y="5360925"/>
+            <a:ext cx="12192000" cy="646331"/>
           </a:xfrm>
           <a:prstGeom prst="rect">
             <a:avLst/>
@@ -3564,55 +3515,39 @@
           <a:p>
             <a:pPr algn="ctr"/>
             <a:r>
-              <a:rPr lang="en-US" sz="4800" b="1" dirty="0">
+              <a:rPr lang="en-US" sz="3600" b="1" dirty="0">
                 <a:solidFill>
                   <a:srgbClr val="660033"/>
                 </a:solidFill>
-                <a:effectLst/>
                 <a:latin typeface="Microsoft JhengHei" panose="020B0604030504040204" pitchFamily="34" charset="-120"/>
                 <a:ea typeface="Microsoft JhengHei" panose="020B0604030504040204" pitchFamily="34" charset="-120"/>
               </a:rPr>
               <a:t>( </a:t>
             </a:r>
             <a:r>
-              <a:rPr lang="zh-CN" altLang="en-US" sz="4800" b="1" dirty="0">
+              <a:rPr lang="zh-CN" altLang="en-US" sz="3600" b="1" dirty="0">
                 <a:solidFill>
                   <a:srgbClr val="660033"/>
                 </a:solidFill>
-                <a:effectLst/>
                 <a:latin typeface="Microsoft JhengHei" panose="020B0604030504040204" pitchFamily="34" charset="-120"/>
                 <a:ea typeface="Microsoft JhengHei" panose="020B0604030504040204" pitchFamily="34" charset="-120"/>
               </a:rPr>
-              <a:t>副</a:t>
-            </a:r>
-            <a:r>
-              <a:rPr lang="en-US" sz="4800" b="1" dirty="0">
+              <a:t>副歌 </a:t>
+            </a:r>
+            <a:r>
+              <a:rPr lang="en-US" sz="3600" b="1" dirty="0">
                 <a:solidFill>
                   <a:srgbClr val="660033"/>
                 </a:solidFill>
-                <a:effectLst/>
-                <a:latin typeface="Microsoft JhengHei" panose="020B0604030504040204" pitchFamily="34" charset="-120"/>
-                <a:ea typeface="Microsoft JhengHei" panose="020B0604030504040204" pitchFamily="34" charset="-120"/>
-              </a:rPr>
-              <a:t> </a:t>
-            </a:r>
-            <a:r>
-              <a:rPr lang="en-US" sz="4800" b="1" dirty="0">
-                <a:solidFill>
-                  <a:srgbClr val="660033"/>
-                </a:solidFill>
-                <a:effectLst/>
                 <a:latin typeface="Microsoft JhengHei" panose="020B0604030504040204" pitchFamily="34" charset="-120"/>
                 <a:ea typeface="Microsoft JhengHei" panose="020B0604030504040204" pitchFamily="34" charset="-120"/>
               </a:rPr>
               <a:t>)</a:t>
             </a:r>
-            <a:endParaRPr lang="vi-VN" sz="4800" b="1" dirty="0">
+            <a:endParaRPr lang="vi-VN" sz="3600" b="1" dirty="0">
               <a:solidFill>
                 <a:srgbClr val="660033"/>
               </a:solidFill>
-              <a:effectLst/>
-              <a:latin typeface="Microsoft JhengHei" panose="020B0604030504040204" pitchFamily="34" charset="-120"/>
               <a:ea typeface="Microsoft JhengHei" panose="020B0604030504040204" pitchFamily="34" charset="-120"/>
             </a:endParaRPr>
           </a:p>
